--- a/Computational-books&papers/private/TA.pptx
+++ b/Computational-books&papers/private/TA.pptx
@@ -11,10 +11,10 @@
     <p:sldId id="259" r:id="rId5"/>
     <p:sldId id="261" r:id="rId6"/>
     <p:sldId id="260" r:id="rId7"/>
-    <p:sldId id="262" r:id="rId8"/>
-    <p:sldId id="263" r:id="rId9"/>
-    <p:sldId id="264" r:id="rId10"/>
-    <p:sldId id="265" r:id="rId11"/>
+    <p:sldId id="265" r:id="rId8"/>
+    <p:sldId id="264" r:id="rId9"/>
+    <p:sldId id="263" r:id="rId10"/>
+    <p:sldId id="262" r:id="rId11"/>
   </p:sldIdLst>
   <p:sldSz cx="12192000" cy="6858000"/>
   <p:notesSz cx="6858000" cy="9144000"/>
@@ -113,6 +113,11 @@
       </a:defRPr>
     </a:lvl9pPr>
   </p:defaultTextStyle>
+  <p:extLst>
+    <p:ext uri="{EFAFB233-063F-42B5-8137-9DF3F51BA10A}">
+      <p15:sldGuideLst xmlns:p15="http://schemas.microsoft.com/office/powerpoint/2012/main"/>
+    </p:ext>
+  </p:extLst>
 </p:presentation>
 </file>
 
@@ -263,7 +268,7 @@
           <a:p>
             <a:fld id="{2020F94C-B597-4892-9917-ECEBF088F387}" type="datetimeFigureOut">
               <a:rPr lang="en-US" smtClean="0"/>
-              <a:t>1/28/2020</a:t>
+              <a:t>2/10/2020</a:t>
             </a:fld>
             <a:endParaRPr lang="en-US"/>
           </a:p>
@@ -461,7 +466,7 @@
           <a:p>
             <a:fld id="{2020F94C-B597-4892-9917-ECEBF088F387}" type="datetimeFigureOut">
               <a:rPr lang="en-US" smtClean="0"/>
-              <a:t>1/28/2020</a:t>
+              <a:t>2/10/2020</a:t>
             </a:fld>
             <a:endParaRPr lang="en-US"/>
           </a:p>
@@ -669,7 +674,7 @@
           <a:p>
             <a:fld id="{2020F94C-B597-4892-9917-ECEBF088F387}" type="datetimeFigureOut">
               <a:rPr lang="en-US" smtClean="0"/>
-              <a:t>1/28/2020</a:t>
+              <a:t>2/10/2020</a:t>
             </a:fld>
             <a:endParaRPr lang="en-US"/>
           </a:p>
@@ -867,7 +872,7 @@
           <a:p>
             <a:fld id="{2020F94C-B597-4892-9917-ECEBF088F387}" type="datetimeFigureOut">
               <a:rPr lang="en-US" smtClean="0"/>
-              <a:t>1/28/2020</a:t>
+              <a:t>2/10/2020</a:t>
             </a:fld>
             <a:endParaRPr lang="en-US"/>
           </a:p>
@@ -1142,7 +1147,7 @@
           <a:p>
             <a:fld id="{2020F94C-B597-4892-9917-ECEBF088F387}" type="datetimeFigureOut">
               <a:rPr lang="en-US" smtClean="0"/>
-              <a:t>1/28/2020</a:t>
+              <a:t>2/10/2020</a:t>
             </a:fld>
             <a:endParaRPr lang="en-US"/>
           </a:p>
@@ -1407,7 +1412,7 @@
           <a:p>
             <a:fld id="{2020F94C-B597-4892-9917-ECEBF088F387}" type="datetimeFigureOut">
               <a:rPr lang="en-US" smtClean="0"/>
-              <a:t>1/28/2020</a:t>
+              <a:t>2/10/2020</a:t>
             </a:fld>
             <a:endParaRPr lang="en-US"/>
           </a:p>
@@ -1819,7 +1824,7 @@
           <a:p>
             <a:fld id="{2020F94C-B597-4892-9917-ECEBF088F387}" type="datetimeFigureOut">
               <a:rPr lang="en-US" smtClean="0"/>
-              <a:t>1/28/2020</a:t>
+              <a:t>2/10/2020</a:t>
             </a:fld>
             <a:endParaRPr lang="en-US"/>
           </a:p>
@@ -1960,7 +1965,7 @@
           <a:p>
             <a:fld id="{2020F94C-B597-4892-9917-ECEBF088F387}" type="datetimeFigureOut">
               <a:rPr lang="en-US" smtClean="0"/>
-              <a:t>1/28/2020</a:t>
+              <a:t>2/10/2020</a:t>
             </a:fld>
             <a:endParaRPr lang="en-US"/>
           </a:p>
@@ -2073,7 +2078,7 @@
           <a:p>
             <a:fld id="{2020F94C-B597-4892-9917-ECEBF088F387}" type="datetimeFigureOut">
               <a:rPr lang="en-US" smtClean="0"/>
-              <a:t>1/28/2020</a:t>
+              <a:t>2/10/2020</a:t>
             </a:fld>
             <a:endParaRPr lang="en-US"/>
           </a:p>
@@ -2384,7 +2389,7 @@
           <a:p>
             <a:fld id="{2020F94C-B597-4892-9917-ECEBF088F387}" type="datetimeFigureOut">
               <a:rPr lang="en-US" smtClean="0"/>
-              <a:t>1/28/2020</a:t>
+              <a:t>2/10/2020</a:t>
             </a:fld>
             <a:endParaRPr lang="en-US"/>
           </a:p>
@@ -2672,7 +2677,7 @@
           <a:p>
             <a:fld id="{2020F94C-B597-4892-9917-ECEBF088F387}" type="datetimeFigureOut">
               <a:rPr lang="en-US" smtClean="0"/>
-              <a:t>1/28/2020</a:t>
+              <a:t>2/10/2020</a:t>
             </a:fld>
             <a:endParaRPr lang="en-US"/>
           </a:p>
@@ -2913,7 +2918,7 @@
           <a:p>
             <a:fld id="{2020F94C-B597-4892-9917-ECEBF088F387}" type="datetimeFigureOut">
               <a:rPr lang="en-US" smtClean="0"/>
-              <a:t>1/28/2020</a:t>
+              <a:t>2/10/2020</a:t>
             </a:fld>
             <a:endParaRPr lang="en-US"/>
           </a:p>
@@ -3419,7 +3424,7 @@
           <p:cNvPr id="2" name="Title 1">
             <a:extLst>
               <a:ext uri="{FF2B5EF4-FFF2-40B4-BE49-F238E27FC236}">
-                <a16:creationId xmlns:a16="http://schemas.microsoft.com/office/drawing/2014/main" id="{9F4E3A41-1137-43C3-96AF-662B34BDEEAD}"/>
+                <a16:creationId xmlns:a16="http://schemas.microsoft.com/office/drawing/2014/main" id="{DE9CA4B9-2C4D-4AC2-A2AF-D0C4D5F6E409}"/>
               </a:ext>
             </a:extLst>
           </p:cNvPr>
@@ -3444,7 +3449,7 @@
           <p:cNvPr id="3" name="Content Placeholder 2">
             <a:extLst>
               <a:ext uri="{FF2B5EF4-FFF2-40B4-BE49-F238E27FC236}">
-                <a16:creationId xmlns:a16="http://schemas.microsoft.com/office/drawing/2014/main" id="{DD980265-336A-400E-9BCA-88EA05F99BB0}"/>
+                <a16:creationId xmlns:a16="http://schemas.microsoft.com/office/drawing/2014/main" id="{9F511041-E7C9-4DF7-A0A6-079A65FF9EFC}"/>
               </a:ext>
             </a:extLst>
           </p:cNvPr>
@@ -3462,13 +3467,13 @@
           <a:p>
             <a:r>
               <a:rPr lang="en-US" dirty="0"/>
-              <a:t>How to determine the direction of E</a:t>
+              <a:t>Discussion: explain the related results with the theory, 1. same potential inside a conductor, 2. perpendicular relation due to definition of the potential dV=E.ds</a:t>
             </a:r>
           </a:p>
           <a:p>
             <a:r>
               <a:rPr lang="en-US" dirty="0"/>
-              <a:t>Points: max change in a constant distance ds</a:t>
+              <a:t>Conclusion: an independent part. The work you have done in the lab and the conclusion you got from the results. Any conclusions should be expressed directly instead of using like successfully proved/ we have gotten the influence of conductors on fields. Select the most important sentences and put them together and form a short paragraph.</a:t>
             </a:r>
           </a:p>
         </p:txBody>
@@ -3476,7 +3481,7 @@
     </p:spTree>
     <p:extLst>
       <p:ext uri="{BB962C8B-B14F-4D97-AF65-F5344CB8AC3E}">
-        <p14:creationId xmlns:p14="http://schemas.microsoft.com/office/powerpoint/2010/main" val="1937286058"/>
+        <p14:creationId xmlns:p14="http://schemas.microsoft.com/office/powerpoint/2010/main" val="3000388193"/>
       </p:ext>
     </p:extLst>
   </p:cSld>
@@ -3988,23 +3993,18 @@
         </p:nvSpPr>
         <p:spPr/>
         <p:txBody>
-          <a:bodyPr/>
-          <a:lstStyle/>
-          <a:p>
-            <a:pPr lvl="0"/>
+          <a:bodyPr>
+            <a:normAutofit/>
+          </a:bodyPr>
+          <a:lstStyle/>
+          <a:p>
+            <a:pPr marL="0" indent="0">
+              <a:buNone/>
+            </a:pPr>
             <a:r>
               <a:rPr lang="en-US" dirty="0"/>
-              <a:t>Definition of electric field. </a:t>
-            </a:r>
-          </a:p>
-          <a:p>
-            <a:r>
-              <a:rPr lang="en-US" dirty="0"/>
-              <a:t>Points: test particle (positive charge, small won’t change the    background electric field), force (static in a static field, opposite direction if negative charge so that E won’t change, conservative force), vector (start position, magnitude, direction)</a:t>
-            </a:r>
-          </a:p>
-          <a:p>
-            <a:endParaRPr lang="en-US" dirty="0"/>
+              <a:t>Summary: I suffer pain when grading the reports because many students know little about writing a lab report. Some of them may because they are in a hurry, they just give me two or three pages including the cover page, it contains only a little simple information. Some of them just have a simple design of a report, but I feel they spent some time reading the course policy and trying to write a good report. I really appreciate it and encourage them keep doing like that. Some students did good job at this time, but they still have much space to improve.</a:t>
+            </a:r>
           </a:p>
         </p:txBody>
       </p:sp>
@@ -4043,7 +4043,7 @@
           <p:cNvPr id="2" name="Title 1">
             <a:extLst>
               <a:ext uri="{FF2B5EF4-FFF2-40B4-BE49-F238E27FC236}">
-                <a16:creationId xmlns:a16="http://schemas.microsoft.com/office/drawing/2014/main" id="{44E82366-C009-49EA-923D-F00B4796D63D}"/>
+                <a16:creationId xmlns:a16="http://schemas.microsoft.com/office/drawing/2014/main" id="{DC9F1538-782E-4EB7-BA9E-0BF7B95E0796}"/>
               </a:ext>
             </a:extLst>
           </p:cNvPr>
@@ -4059,7 +4059,7 @@
           <a:bodyPr/>
           <a:lstStyle/>
           <a:p>
-            <a:endParaRPr lang="en-US" dirty="0"/>
+            <a:endParaRPr lang="en-US"/>
           </a:p>
         </p:txBody>
       </p:sp>
@@ -4068,7 +4068,7 @@
           <p:cNvPr id="3" name="Content Placeholder 2">
             <a:extLst>
               <a:ext uri="{FF2B5EF4-FFF2-40B4-BE49-F238E27FC236}">
-                <a16:creationId xmlns:a16="http://schemas.microsoft.com/office/drawing/2014/main" id="{1436E84E-9B3B-42F3-B862-98AEE9312E7B}"/>
+                <a16:creationId xmlns:a16="http://schemas.microsoft.com/office/drawing/2014/main" id="{6E777017-26CB-4EF0-943C-41A73CBE16DA}"/>
               </a:ext>
             </a:extLst>
           </p:cNvPr>
@@ -4084,35 +4084,21 @@
           <a:bodyPr/>
           <a:lstStyle/>
           <a:p>
-            <a:pPr lvl="0"/>
             <a:r>
               <a:rPr lang="en-US" dirty="0"/>
-              <a:t>Electric field line or line of force</a:t>
-            </a:r>
-          </a:p>
-          <a:p>
-            <a:r>
-              <a:rPr lang="en-US" dirty="0"/>
-              <a:t>Points: Not real just representative lines, draw lines that E is tangential to </a:t>
-            </a:r>
-            <a:r>
-              <a:rPr lang="en-US"/>
-              <a:t>the lines at </a:t>
-            </a:r>
-            <a:r>
-              <a:rPr lang="en-US" dirty="0"/>
-              <a:t>each points the lines go through, generally speaking it’s different with the trace of a moving positive test particles because the velocity can be different with the E&amp;F.</a:t>
-            </a:r>
-          </a:p>
-          <a:p>
-            <a:endParaRPr lang="en-US" dirty="0"/>
+              <a:t>The grades this time do </a:t>
+            </a:r>
+            <a:r>
+              <a:rPr lang="en-US"/>
+              <a:t>not reflect your </a:t>
+            </a:r>
           </a:p>
         </p:txBody>
       </p:sp>
     </p:spTree>
     <p:extLst>
       <p:ext uri="{BB962C8B-B14F-4D97-AF65-F5344CB8AC3E}">
-        <p14:creationId xmlns:p14="http://schemas.microsoft.com/office/powerpoint/2010/main" val="2135851017"/>
+        <p14:creationId xmlns:p14="http://schemas.microsoft.com/office/powerpoint/2010/main" val="766918628"/>
       </p:ext>
     </p:extLst>
   </p:cSld>
@@ -4144,7 +4130,7 @@
           <p:cNvPr id="2" name="Title 1">
             <a:extLst>
               <a:ext uri="{FF2B5EF4-FFF2-40B4-BE49-F238E27FC236}">
-                <a16:creationId xmlns:a16="http://schemas.microsoft.com/office/drawing/2014/main" id="{BC3B9C0E-BF91-4D73-809F-38A18C4F48A3}"/>
+                <a16:creationId xmlns:a16="http://schemas.microsoft.com/office/drawing/2014/main" id="{D86C2C6F-37AC-410B-8AA8-6D034394304E}"/>
               </a:ext>
             </a:extLst>
           </p:cNvPr>
@@ -4169,7 +4155,7 @@
           <p:cNvPr id="3" name="Content Placeholder 2">
             <a:extLst>
               <a:ext uri="{FF2B5EF4-FFF2-40B4-BE49-F238E27FC236}">
-                <a16:creationId xmlns:a16="http://schemas.microsoft.com/office/drawing/2014/main" id="{1D4A43BF-A465-44B9-9E9D-0702E98D3A02}"/>
+                <a16:creationId xmlns:a16="http://schemas.microsoft.com/office/drawing/2014/main" id="{C31E1B0C-7255-448A-8440-F4D43E847C9F}"/>
               </a:ext>
             </a:extLst>
           </p:cNvPr>
@@ -4185,24 +4171,48 @@
           <a:bodyPr/>
           <a:lstStyle/>
           <a:p>
-            <a:pPr lvl="0"/>
             <a:r>
               <a:rPr lang="en-US" dirty="0"/>
-              <a:t>Potential energy &amp; work</a:t>
-            </a:r>
-          </a:p>
-          <a:p>
+              <a:t>Objective: put on cover page ( why do you do this work?/purpose/(indicate the importance in paper </a:t>
+            </a:r>
+            <a:r>
+              <a:rPr lang="en-US" dirty="0" err="1"/>
+              <a:t>writing&amp;abstract</a:t>
+            </a:r>
             <a:r>
               <a:rPr lang="en-US" dirty="0"/>
-              <a:t>Points: work (vector dot product), potential energy ( U, notice it’s negative work), related to the charge positive or negative</a:t>
-            </a:r>
+              <a:t>))</a:t>
+            </a:r>
+          </a:p>
+          <a:p>
+            <a:r>
+              <a:rPr lang="en-US" dirty="0"/>
+              <a:t>Introduction: use equations ( the audience may not know the background physics, brief introduce them)</a:t>
+            </a:r>
+          </a:p>
+          <a:p>
+            <a:r>
+              <a:rPr lang="en-US" dirty="0"/>
+              <a:t>Procedure: Block diagram in points 2 is a pic showing how to set up the instrument. Because in points 3 we need to express the details of procedures. And to complete the reports we have to let other people how to set up the system. ( introduce the instrument, setting up, and </a:t>
+            </a:r>
+            <a:r>
+              <a:rPr lang="en-US" dirty="0" err="1"/>
+              <a:t>proceduce</a:t>
+            </a:r>
+            <a:r>
+              <a:rPr lang="en-US" dirty="0"/>
+              <a:t>)</a:t>
+            </a:r>
+          </a:p>
+          <a:p>
+            <a:endParaRPr lang="en-US" dirty="0"/>
           </a:p>
         </p:txBody>
       </p:sp>
     </p:spTree>
     <p:extLst>
       <p:ext uri="{BB962C8B-B14F-4D97-AF65-F5344CB8AC3E}">
-        <p14:creationId xmlns:p14="http://schemas.microsoft.com/office/powerpoint/2010/main" val="3640532906"/>
+        <p14:creationId xmlns:p14="http://schemas.microsoft.com/office/powerpoint/2010/main" val="1587620744"/>
       </p:ext>
     </p:extLst>
   </p:cSld>
@@ -4234,7 +4244,7 @@
           <p:cNvPr id="2" name="Title 1">
             <a:extLst>
               <a:ext uri="{FF2B5EF4-FFF2-40B4-BE49-F238E27FC236}">
-                <a16:creationId xmlns:a16="http://schemas.microsoft.com/office/drawing/2014/main" id="{A1BB2B64-4E56-4A02-979C-F95D18B7BD48}"/>
+                <a16:creationId xmlns:a16="http://schemas.microsoft.com/office/drawing/2014/main" id="{7A5975EB-DAD7-400B-BCD4-E577584EA4DE}"/>
               </a:ext>
             </a:extLst>
           </p:cNvPr>
@@ -4259,7 +4269,7 @@
           <p:cNvPr id="3" name="Content Placeholder 2">
             <a:extLst>
               <a:ext uri="{FF2B5EF4-FFF2-40B4-BE49-F238E27FC236}">
-                <a16:creationId xmlns:a16="http://schemas.microsoft.com/office/drawing/2014/main" id="{E5794405-0DC2-42AB-9233-F942DC2847BB}"/>
+                <a16:creationId xmlns:a16="http://schemas.microsoft.com/office/drawing/2014/main" id="{2EFC440C-0015-44BB-A872-509213D6CEFB}"/>
               </a:ext>
             </a:extLst>
           </p:cNvPr>
@@ -4277,19 +4287,7 @@
           <a:p>
             <a:r>
               <a:rPr lang="en-US" dirty="0"/>
-              <a:t>Potential</a:t>
-            </a:r>
-          </a:p>
-          <a:p>
-            <a:r>
-              <a:rPr lang="en-US" dirty="0"/>
-              <a:t>Points: definition (not need to have a charge, a physical quantity related to the field), similar to voltage in our daily life</a:t>
-            </a:r>
-          </a:p>
-          <a:p>
-            <a:r>
-              <a:rPr lang="en-US" dirty="0"/>
-              <a:t> </a:t>
+              <a:t>Results and analysis: Results are your data collected in the lab and the answers to the related questions in procedures of manual.  Analysis is to describe the fields pattern, how do fields look like in general, around the small conductor/ long conductor and the floating conductor. What are the relationship between two fields.</a:t>
             </a:r>
           </a:p>
           <a:p>
@@ -4300,7 +4298,7 @@
     </p:spTree>
     <p:extLst>
       <p:ext uri="{BB962C8B-B14F-4D97-AF65-F5344CB8AC3E}">
-        <p14:creationId xmlns:p14="http://schemas.microsoft.com/office/powerpoint/2010/main" val="355028170"/>
+        <p14:creationId xmlns:p14="http://schemas.microsoft.com/office/powerpoint/2010/main" val="3428985909"/>
       </p:ext>
     </p:extLst>
   </p:cSld>

--- a/Computational-books&papers/private/TA.pptx
+++ b/Computational-books&papers/private/TA.pptx
@@ -15,6 +15,7 @@
     <p:sldId id="264" r:id="rId9"/>
     <p:sldId id="263" r:id="rId10"/>
     <p:sldId id="262" r:id="rId11"/>
+    <p:sldId id="266" r:id="rId12"/>
   </p:sldIdLst>
   <p:sldSz cx="12192000" cy="6858000"/>
   <p:notesSz cx="6858000" cy="9144000"/>
@@ -268,7 +269,7 @@
           <a:p>
             <a:fld id="{2020F94C-B597-4892-9917-ECEBF088F387}" type="datetimeFigureOut">
               <a:rPr lang="en-US" smtClean="0"/>
-              <a:t>2/10/2020</a:t>
+              <a:t>2/11/2020</a:t>
             </a:fld>
             <a:endParaRPr lang="en-US"/>
           </a:p>
@@ -466,7 +467,7 @@
           <a:p>
             <a:fld id="{2020F94C-B597-4892-9917-ECEBF088F387}" type="datetimeFigureOut">
               <a:rPr lang="en-US" smtClean="0"/>
-              <a:t>2/10/2020</a:t>
+              <a:t>2/11/2020</a:t>
             </a:fld>
             <a:endParaRPr lang="en-US"/>
           </a:p>
@@ -674,7 +675,7 @@
           <a:p>
             <a:fld id="{2020F94C-B597-4892-9917-ECEBF088F387}" type="datetimeFigureOut">
               <a:rPr lang="en-US" smtClean="0"/>
-              <a:t>2/10/2020</a:t>
+              <a:t>2/11/2020</a:t>
             </a:fld>
             <a:endParaRPr lang="en-US"/>
           </a:p>
@@ -872,7 +873,7 @@
           <a:p>
             <a:fld id="{2020F94C-B597-4892-9917-ECEBF088F387}" type="datetimeFigureOut">
               <a:rPr lang="en-US" smtClean="0"/>
-              <a:t>2/10/2020</a:t>
+              <a:t>2/11/2020</a:t>
             </a:fld>
             <a:endParaRPr lang="en-US"/>
           </a:p>
@@ -1147,7 +1148,7 @@
           <a:p>
             <a:fld id="{2020F94C-B597-4892-9917-ECEBF088F387}" type="datetimeFigureOut">
               <a:rPr lang="en-US" smtClean="0"/>
-              <a:t>2/10/2020</a:t>
+              <a:t>2/11/2020</a:t>
             </a:fld>
             <a:endParaRPr lang="en-US"/>
           </a:p>
@@ -1412,7 +1413,7 @@
           <a:p>
             <a:fld id="{2020F94C-B597-4892-9917-ECEBF088F387}" type="datetimeFigureOut">
               <a:rPr lang="en-US" smtClean="0"/>
-              <a:t>2/10/2020</a:t>
+              <a:t>2/11/2020</a:t>
             </a:fld>
             <a:endParaRPr lang="en-US"/>
           </a:p>
@@ -1824,7 +1825,7 @@
           <a:p>
             <a:fld id="{2020F94C-B597-4892-9917-ECEBF088F387}" type="datetimeFigureOut">
               <a:rPr lang="en-US" smtClean="0"/>
-              <a:t>2/10/2020</a:t>
+              <a:t>2/11/2020</a:t>
             </a:fld>
             <a:endParaRPr lang="en-US"/>
           </a:p>
@@ -1965,7 +1966,7 @@
           <a:p>
             <a:fld id="{2020F94C-B597-4892-9917-ECEBF088F387}" type="datetimeFigureOut">
               <a:rPr lang="en-US" smtClean="0"/>
-              <a:t>2/10/2020</a:t>
+              <a:t>2/11/2020</a:t>
             </a:fld>
             <a:endParaRPr lang="en-US"/>
           </a:p>
@@ -2078,7 +2079,7 @@
           <a:p>
             <a:fld id="{2020F94C-B597-4892-9917-ECEBF088F387}" type="datetimeFigureOut">
               <a:rPr lang="en-US" smtClean="0"/>
-              <a:t>2/10/2020</a:t>
+              <a:t>2/11/2020</a:t>
             </a:fld>
             <a:endParaRPr lang="en-US"/>
           </a:p>
@@ -2389,7 +2390,7 @@
           <a:p>
             <a:fld id="{2020F94C-B597-4892-9917-ECEBF088F387}" type="datetimeFigureOut">
               <a:rPr lang="en-US" smtClean="0"/>
-              <a:t>2/10/2020</a:t>
+              <a:t>2/11/2020</a:t>
             </a:fld>
             <a:endParaRPr lang="en-US"/>
           </a:p>
@@ -2677,7 +2678,7 @@
           <a:p>
             <a:fld id="{2020F94C-B597-4892-9917-ECEBF088F387}" type="datetimeFigureOut">
               <a:rPr lang="en-US" smtClean="0"/>
-              <a:t>2/10/2020</a:t>
+              <a:t>2/11/2020</a:t>
             </a:fld>
             <a:endParaRPr lang="en-US"/>
           </a:p>
@@ -2918,7 +2919,7 @@
           <a:p>
             <a:fld id="{2020F94C-B597-4892-9917-ECEBF088F387}" type="datetimeFigureOut">
               <a:rPr lang="en-US" smtClean="0"/>
-              <a:t>2/10/2020</a:t>
+              <a:t>2/11/2020</a:t>
             </a:fld>
             <a:endParaRPr lang="en-US"/>
           </a:p>
@@ -3467,8 +3468,21 @@
           <a:p>
             <a:r>
               <a:rPr lang="en-US" dirty="0"/>
-              <a:t>Discussion: explain the related results with the theory, 1. same potential inside a conductor, 2. perpendicular relation due to definition of the potential dV=E.ds</a:t>
-            </a:r>
+              <a:t>Discussion: explain the related results with the theory, 1. same potential inside a conductor, 2. perpendicular relation due to definition of the potential dV=</a:t>
+            </a:r>
+            <a:r>
+              <a:rPr lang="en-US" dirty="0" err="1"/>
+              <a:t>E.ds.</a:t>
+            </a:r>
+            <a:r>
+              <a:rPr lang="en-US" dirty="0"/>
+              <a:t> And </a:t>
+            </a:r>
+            <a:r>
+              <a:rPr lang="en-US"/>
+              <a:t>error analysis.</a:t>
+            </a:r>
+            <a:endParaRPr lang="en-US" dirty="0"/>
           </a:p>
           <a:p>
             <a:r>
@@ -3482,6 +3496,104 @@
     <p:extLst>
       <p:ext uri="{BB962C8B-B14F-4D97-AF65-F5344CB8AC3E}">
         <p14:creationId xmlns:p14="http://schemas.microsoft.com/office/powerpoint/2010/main" val="3000388193"/>
+      </p:ext>
+    </p:extLst>
+  </p:cSld>
+  <p:clrMapOvr>
+    <a:masterClrMapping/>
+  </p:clrMapOvr>
+</p:sld>
+</file>
+
+<file path=ppt/slides/slide11.xml><?xml version="1.0" encoding="utf-8"?>
+<p:sld xmlns:a="http://schemas.openxmlformats.org/drawingml/2006/main" xmlns:r="http://schemas.openxmlformats.org/officeDocument/2006/relationships" xmlns:p="http://schemas.openxmlformats.org/presentationml/2006/main">
+  <p:cSld>
+    <p:spTree>
+      <p:nvGrpSpPr>
+        <p:cNvPr id="1" name=""/>
+        <p:cNvGrpSpPr/>
+        <p:nvPr/>
+      </p:nvGrpSpPr>
+      <p:grpSpPr>
+        <a:xfrm>
+          <a:off x="0" y="0"/>
+          <a:ext cx="0" cy="0"/>
+          <a:chOff x="0" y="0"/>
+          <a:chExt cx="0" cy="0"/>
+        </a:xfrm>
+      </p:grpSpPr>
+      <p:sp>
+        <p:nvSpPr>
+          <p:cNvPr id="2" name="Title 1">
+            <a:extLst>
+              <a:ext uri="{FF2B5EF4-FFF2-40B4-BE49-F238E27FC236}">
+                <a16:creationId xmlns:a16="http://schemas.microsoft.com/office/drawing/2014/main" id="{0D2FEDF2-654F-45BF-B0A5-F4DDB64E8B25}"/>
+              </a:ext>
+            </a:extLst>
+          </p:cNvPr>
+          <p:cNvSpPr>
+            <a:spLocks noGrp="1"/>
+          </p:cNvSpPr>
+          <p:nvPr>
+            <p:ph type="title"/>
+          </p:nvPr>
+        </p:nvSpPr>
+        <p:spPr/>
+        <p:txBody>
+          <a:bodyPr/>
+          <a:lstStyle/>
+          <a:p>
+            <a:r>
+              <a:rPr lang="en-US" dirty="0"/>
+              <a:t>Next lab reports grading</a:t>
+            </a:r>
+          </a:p>
+        </p:txBody>
+      </p:sp>
+      <p:sp>
+        <p:nvSpPr>
+          <p:cNvPr id="3" name="Content Placeholder 2">
+            <a:extLst>
+              <a:ext uri="{FF2B5EF4-FFF2-40B4-BE49-F238E27FC236}">
+                <a16:creationId xmlns:a16="http://schemas.microsoft.com/office/drawing/2014/main" id="{1CD8D8BB-0773-4EE4-9E9B-FBE8937C0311}"/>
+              </a:ext>
+            </a:extLst>
+          </p:cNvPr>
+          <p:cNvSpPr>
+            <a:spLocks noGrp="1"/>
+          </p:cNvSpPr>
+          <p:nvPr>
+            <p:ph idx="1"/>
+          </p:nvPr>
+        </p:nvSpPr>
+        <p:spPr/>
+        <p:txBody>
+          <a:bodyPr/>
+          <a:lstStyle/>
+          <a:p>
+            <a:r>
+              <a:rPr lang="en-US" dirty="0"/>
+              <a:t>Next time I will make criterion and grade the reports strictly according to that.</a:t>
+            </a:r>
+          </a:p>
+          <a:p>
+            <a:r>
+              <a:rPr lang="en-US" dirty="0"/>
+              <a:t>Use scientific language, try to avoid using uncertain words when writing reports: looks like/ seems/ about unless you are not sure but you have to mention it.</a:t>
+            </a:r>
+          </a:p>
+          <a:p>
+            <a:r>
+              <a:rPr lang="en-US" dirty="0"/>
+              <a:t>Keep learning and practicing, I’ll try my best to help you. I hope all of you could write formal reports when we finish this class. If you still know little on writing lab reports at that time, it must be my fault.</a:t>
+            </a:r>
+          </a:p>
+        </p:txBody>
+      </p:sp>
+    </p:spTree>
+    <p:extLst>
+      <p:ext uri="{BB962C8B-B14F-4D97-AF65-F5344CB8AC3E}">
+        <p14:creationId xmlns:p14="http://schemas.microsoft.com/office/powerpoint/2010/main" val="3737470934"/>
       </p:ext>
     </p:extLst>
   </p:cSld>
@@ -4003,7 +4115,7 @@
             </a:pPr>
             <a:r>
               <a:rPr lang="en-US" dirty="0"/>
-              <a:t>Summary: I suffer pain when grading the reports because many students know little about writing a lab report. Some of them may because they are in a hurry, they just give me two or three pages including the cover page, it contains only a little simple information. Some of them just have a simple design of a report, but I feel they spent some time reading the course policy and trying to write a good report. I really appreciate it and encourage them keep doing like that. Some students did good job at this time, but they still have much space to improve.</a:t>
+              <a:t>Summary: I suffer pain when grading the reports because many students know little about writing a lab report. Some of them may because they are in a hurry, they just give me two or three pages including the cover page, it contains only a little information. Some of them just have a simple design of a report, but I feel these students spent some time reading the course policy and trying to write a good report. I really appreciate it and encourage them keep doing like that. Some students showed they have good writing skills, but they still have much space to improve.</a:t>
             </a:r>
           </a:p>
         </p:txBody>
@@ -4059,7 +4171,10 @@
           <a:bodyPr/>
           <a:lstStyle/>
           <a:p>
-            <a:endParaRPr lang="en-US"/>
+            <a:r>
+              <a:rPr lang="en-US" dirty="0"/>
+              <a:t>About my grading policy</a:t>
+            </a:r>
           </a:p>
         </p:txBody>
       </p:sp>
@@ -4081,16 +4196,24 @@
         </p:nvSpPr>
         <p:spPr/>
         <p:txBody>
-          <a:bodyPr/>
+          <a:bodyPr>
+            <a:normAutofit fontScale="92500" lnSpcReduction="10000"/>
+          </a:bodyPr>
           <a:lstStyle/>
           <a:p>
             <a:r>
               <a:rPr lang="en-US" dirty="0"/>
-              <a:t>The grades this time do </a:t>
-            </a:r>
-            <a:r>
-              <a:rPr lang="en-US"/>
-              <a:t>not reflect your </a:t>
+              <a:t>Usually I make criterion before I grade reports. At this time, as I  mentioned most people are not prepared to write a formal report, the grades do not honestly reflect how your report really is. I saved many reports by not letting them look so </a:t>
+            </a:r>
+            <a:r>
+              <a:rPr lang="en-US" altLang="zh-CN" dirty="0"/>
+              <a:t>poor. To be fair, I increased the grades for other reports that some students paid time on even they still have space to improve.</a:t>
+            </a:r>
+          </a:p>
+          <a:p>
+            <a:r>
+              <a:rPr lang="en-US" dirty="0"/>
+              <a:t>I don’t know whether it is right or wrong but I’m pretty sure I will do something right to help you improve skills of writing reports. With a course policy I believe you know what to do in a report, but why the report looks not good. I guess that may because you do not know why a report should be written in this order. With my understanding on writing reports and papers, let’s make the Lab1 report as an example to go though and may explain the introduction of writing report in course policy.</a:t>
             </a:r>
           </a:p>
         </p:txBody>
@@ -4127,31 +4250,6 @@
       </p:grpSpPr>
       <p:sp>
         <p:nvSpPr>
-          <p:cNvPr id="2" name="Title 1">
-            <a:extLst>
-              <a:ext uri="{FF2B5EF4-FFF2-40B4-BE49-F238E27FC236}">
-                <a16:creationId xmlns:a16="http://schemas.microsoft.com/office/drawing/2014/main" id="{D86C2C6F-37AC-410B-8AA8-6D034394304E}"/>
-              </a:ext>
-            </a:extLst>
-          </p:cNvPr>
-          <p:cNvSpPr>
-            <a:spLocks noGrp="1"/>
-          </p:cNvSpPr>
-          <p:nvPr>
-            <p:ph type="title"/>
-          </p:nvPr>
-        </p:nvSpPr>
-        <p:spPr/>
-        <p:txBody>
-          <a:bodyPr/>
-          <a:lstStyle/>
-          <a:p>
-            <a:endParaRPr lang="en-US"/>
-          </a:p>
-        </p:txBody>
-      </p:sp>
-      <p:sp>
-        <p:nvSpPr>
           <p:cNvPr id="3" name="Content Placeholder 2">
             <a:extLst>
               <a:ext uri="{FF2B5EF4-FFF2-40B4-BE49-F238E27FC236}">
@@ -4166,7 +4264,12 @@
             <p:ph idx="1"/>
           </p:nvPr>
         </p:nvSpPr>
-        <p:spPr/>
+        <p:spPr>
+          <a:xfrm>
+            <a:off x="838200" y="266700"/>
+            <a:ext cx="10515600" cy="5910263"/>
+          </a:xfrm>
+        </p:spPr>
         <p:txBody>
           <a:bodyPr/>
           <a:lstStyle/>
@@ -4187,13 +4290,13 @@
           <a:p>
             <a:r>
               <a:rPr lang="en-US" dirty="0"/>
-              <a:t>Introduction: use equations ( the audience may not know the background physics, brief introduce them)</a:t>
+              <a:t>Introduction: use equations ( the audience may not know the background physics, briefly introduce them)</a:t>
             </a:r>
           </a:p>
           <a:p>
             <a:r>
               <a:rPr lang="en-US" dirty="0"/>
-              <a:t>Procedure: Block diagram in points 2 is a pic showing how to set up the instrument. Because in points 3 we need to express the details of procedures. And to complete the reports we have to let other people how to set up the system. ( introduce the instrument, setting up, and </a:t>
+              <a:t>Procedure: instrument lists; Block diagram in points 2 is a pic showing how to set up the instrument. Because in points 3 we need to express the details of procedures. And to complete the reports we have to let other people how to set up the system. ( introduce the instrument, setting up, and </a:t>
             </a:r>
             <a:r>
               <a:rPr lang="en-US" dirty="0" err="1"/>

--- a/Computational-books&papers/private/TA.pptx
+++ b/Computational-books&papers/private/TA.pptx
@@ -269,7 +269,7 @@
           <a:p>
             <a:fld id="{2020F94C-B597-4892-9917-ECEBF088F387}" type="datetimeFigureOut">
               <a:rPr lang="en-US" smtClean="0"/>
-              <a:t>2/11/2020</a:t>
+              <a:t>2/13/2020</a:t>
             </a:fld>
             <a:endParaRPr lang="en-US"/>
           </a:p>
@@ -467,7 +467,7 @@
           <a:p>
             <a:fld id="{2020F94C-B597-4892-9917-ECEBF088F387}" type="datetimeFigureOut">
               <a:rPr lang="en-US" smtClean="0"/>
-              <a:t>2/11/2020</a:t>
+              <a:t>2/13/2020</a:t>
             </a:fld>
             <a:endParaRPr lang="en-US"/>
           </a:p>
@@ -675,7 +675,7 @@
           <a:p>
             <a:fld id="{2020F94C-B597-4892-9917-ECEBF088F387}" type="datetimeFigureOut">
               <a:rPr lang="en-US" smtClean="0"/>
-              <a:t>2/11/2020</a:t>
+              <a:t>2/13/2020</a:t>
             </a:fld>
             <a:endParaRPr lang="en-US"/>
           </a:p>
@@ -873,7 +873,7 @@
           <a:p>
             <a:fld id="{2020F94C-B597-4892-9917-ECEBF088F387}" type="datetimeFigureOut">
               <a:rPr lang="en-US" smtClean="0"/>
-              <a:t>2/11/2020</a:t>
+              <a:t>2/13/2020</a:t>
             </a:fld>
             <a:endParaRPr lang="en-US"/>
           </a:p>
@@ -1148,7 +1148,7 @@
           <a:p>
             <a:fld id="{2020F94C-B597-4892-9917-ECEBF088F387}" type="datetimeFigureOut">
               <a:rPr lang="en-US" smtClean="0"/>
-              <a:t>2/11/2020</a:t>
+              <a:t>2/13/2020</a:t>
             </a:fld>
             <a:endParaRPr lang="en-US"/>
           </a:p>
@@ -1413,7 +1413,7 @@
           <a:p>
             <a:fld id="{2020F94C-B597-4892-9917-ECEBF088F387}" type="datetimeFigureOut">
               <a:rPr lang="en-US" smtClean="0"/>
-              <a:t>2/11/2020</a:t>
+              <a:t>2/13/2020</a:t>
             </a:fld>
             <a:endParaRPr lang="en-US"/>
           </a:p>
@@ -1825,7 +1825,7 @@
           <a:p>
             <a:fld id="{2020F94C-B597-4892-9917-ECEBF088F387}" type="datetimeFigureOut">
               <a:rPr lang="en-US" smtClean="0"/>
-              <a:t>2/11/2020</a:t>
+              <a:t>2/13/2020</a:t>
             </a:fld>
             <a:endParaRPr lang="en-US"/>
           </a:p>
@@ -1966,7 +1966,7 @@
           <a:p>
             <a:fld id="{2020F94C-B597-4892-9917-ECEBF088F387}" type="datetimeFigureOut">
               <a:rPr lang="en-US" smtClean="0"/>
-              <a:t>2/11/2020</a:t>
+              <a:t>2/13/2020</a:t>
             </a:fld>
             <a:endParaRPr lang="en-US"/>
           </a:p>
@@ -2079,7 +2079,7 @@
           <a:p>
             <a:fld id="{2020F94C-B597-4892-9917-ECEBF088F387}" type="datetimeFigureOut">
               <a:rPr lang="en-US" smtClean="0"/>
-              <a:t>2/11/2020</a:t>
+              <a:t>2/13/2020</a:t>
             </a:fld>
             <a:endParaRPr lang="en-US"/>
           </a:p>
@@ -2390,7 +2390,7 @@
           <a:p>
             <a:fld id="{2020F94C-B597-4892-9917-ECEBF088F387}" type="datetimeFigureOut">
               <a:rPr lang="en-US" smtClean="0"/>
-              <a:t>2/11/2020</a:t>
+              <a:t>2/13/2020</a:t>
             </a:fld>
             <a:endParaRPr lang="en-US"/>
           </a:p>
@@ -2678,7 +2678,7 @@
           <a:p>
             <a:fld id="{2020F94C-B597-4892-9917-ECEBF088F387}" type="datetimeFigureOut">
               <a:rPr lang="en-US" smtClean="0"/>
-              <a:t>2/11/2020</a:t>
+              <a:t>2/13/2020</a:t>
             </a:fld>
             <a:endParaRPr lang="en-US"/>
           </a:p>
@@ -2919,7 +2919,7 @@
           <a:p>
             <a:fld id="{2020F94C-B597-4892-9917-ECEBF088F387}" type="datetimeFigureOut">
               <a:rPr lang="en-US" smtClean="0"/>
-              <a:t>2/11/2020</a:t>
+              <a:t>2/13/2020</a:t>
             </a:fld>
             <a:endParaRPr lang="en-US"/>
           </a:p>
@@ -4213,7 +4213,15 @@
           <a:p>
             <a:r>
               <a:rPr lang="en-US" dirty="0"/>
-              <a:t>I don’t know whether it is right or wrong but I’m pretty sure I will do something right to help you improve skills of writing reports. With a course policy I believe you know what to do in a report, but why the report looks not good. I guess that may because you do not know why a report should be written in this order. With my understanding on writing reports and papers, let’s make the Lab1 report as an example to go though and may explain the introduction of writing report in course policy.</a:t>
+              <a:t>I don’t know whether it is right or wrong but I’m pretty sure I will do something right to help you improve skills of writing reports. With a course policy I believe you know how to arrange a report, but why the report looks not good. I guess that may because you do not know why a report should be written </a:t>
+            </a:r>
+            <a:r>
+              <a:rPr lang="en-US"/>
+              <a:t>in that </a:t>
+            </a:r>
+            <a:r>
+              <a:rPr lang="en-US" dirty="0"/>
+              <a:t>order. With my understanding on writing reports and papers, let’s make the Lab1 report as an example to go though and may explain the course policy.</a:t>
             </a:r>
           </a:p>
         </p:txBody>

--- a/Computational-books&papers/private/TA.pptx
+++ b/Computational-books&papers/private/TA.pptx
@@ -16,6 +16,7 @@
     <p:sldId id="263" r:id="rId10"/>
     <p:sldId id="262" r:id="rId11"/>
     <p:sldId id="266" r:id="rId12"/>
+    <p:sldId id="267" r:id="rId13"/>
   </p:sldIdLst>
   <p:sldSz cx="12192000" cy="6858000"/>
   <p:notesSz cx="6858000" cy="9144000"/>
@@ -269,7 +270,7 @@
           <a:p>
             <a:fld id="{2020F94C-B597-4892-9917-ECEBF088F387}" type="datetimeFigureOut">
               <a:rPr lang="en-US" smtClean="0"/>
-              <a:t>2/13/2020</a:t>
+              <a:t>2/27/2020</a:t>
             </a:fld>
             <a:endParaRPr lang="en-US"/>
           </a:p>
@@ -467,7 +468,7 @@
           <a:p>
             <a:fld id="{2020F94C-B597-4892-9917-ECEBF088F387}" type="datetimeFigureOut">
               <a:rPr lang="en-US" smtClean="0"/>
-              <a:t>2/13/2020</a:t>
+              <a:t>2/27/2020</a:t>
             </a:fld>
             <a:endParaRPr lang="en-US"/>
           </a:p>
@@ -675,7 +676,7 @@
           <a:p>
             <a:fld id="{2020F94C-B597-4892-9917-ECEBF088F387}" type="datetimeFigureOut">
               <a:rPr lang="en-US" smtClean="0"/>
-              <a:t>2/13/2020</a:t>
+              <a:t>2/27/2020</a:t>
             </a:fld>
             <a:endParaRPr lang="en-US"/>
           </a:p>
@@ -873,7 +874,7 @@
           <a:p>
             <a:fld id="{2020F94C-B597-4892-9917-ECEBF088F387}" type="datetimeFigureOut">
               <a:rPr lang="en-US" smtClean="0"/>
-              <a:t>2/13/2020</a:t>
+              <a:t>2/27/2020</a:t>
             </a:fld>
             <a:endParaRPr lang="en-US"/>
           </a:p>
@@ -1148,7 +1149,7 @@
           <a:p>
             <a:fld id="{2020F94C-B597-4892-9917-ECEBF088F387}" type="datetimeFigureOut">
               <a:rPr lang="en-US" smtClean="0"/>
-              <a:t>2/13/2020</a:t>
+              <a:t>2/27/2020</a:t>
             </a:fld>
             <a:endParaRPr lang="en-US"/>
           </a:p>
@@ -1413,7 +1414,7 @@
           <a:p>
             <a:fld id="{2020F94C-B597-4892-9917-ECEBF088F387}" type="datetimeFigureOut">
               <a:rPr lang="en-US" smtClean="0"/>
-              <a:t>2/13/2020</a:t>
+              <a:t>2/27/2020</a:t>
             </a:fld>
             <a:endParaRPr lang="en-US"/>
           </a:p>
@@ -1825,7 +1826,7 @@
           <a:p>
             <a:fld id="{2020F94C-B597-4892-9917-ECEBF088F387}" type="datetimeFigureOut">
               <a:rPr lang="en-US" smtClean="0"/>
-              <a:t>2/13/2020</a:t>
+              <a:t>2/27/2020</a:t>
             </a:fld>
             <a:endParaRPr lang="en-US"/>
           </a:p>
@@ -1966,7 +1967,7 @@
           <a:p>
             <a:fld id="{2020F94C-B597-4892-9917-ECEBF088F387}" type="datetimeFigureOut">
               <a:rPr lang="en-US" smtClean="0"/>
-              <a:t>2/13/2020</a:t>
+              <a:t>2/27/2020</a:t>
             </a:fld>
             <a:endParaRPr lang="en-US"/>
           </a:p>
@@ -2079,7 +2080,7 @@
           <a:p>
             <a:fld id="{2020F94C-B597-4892-9917-ECEBF088F387}" type="datetimeFigureOut">
               <a:rPr lang="en-US" smtClean="0"/>
-              <a:t>2/13/2020</a:t>
+              <a:t>2/27/2020</a:t>
             </a:fld>
             <a:endParaRPr lang="en-US"/>
           </a:p>
@@ -2390,7 +2391,7 @@
           <a:p>
             <a:fld id="{2020F94C-B597-4892-9917-ECEBF088F387}" type="datetimeFigureOut">
               <a:rPr lang="en-US" smtClean="0"/>
-              <a:t>2/13/2020</a:t>
+              <a:t>2/27/2020</a:t>
             </a:fld>
             <a:endParaRPr lang="en-US"/>
           </a:p>
@@ -2678,7 +2679,7 @@
           <a:p>
             <a:fld id="{2020F94C-B597-4892-9917-ECEBF088F387}" type="datetimeFigureOut">
               <a:rPr lang="en-US" smtClean="0"/>
-              <a:t>2/13/2020</a:t>
+              <a:t>2/27/2020</a:t>
             </a:fld>
             <a:endParaRPr lang="en-US"/>
           </a:p>
@@ -2919,7 +2920,7 @@
           <a:p>
             <a:fld id="{2020F94C-B597-4892-9917-ECEBF088F387}" type="datetimeFigureOut">
               <a:rPr lang="en-US" smtClean="0"/>
-              <a:t>2/13/2020</a:t>
+              <a:t>2/27/2020</a:t>
             </a:fld>
             <a:endParaRPr lang="en-US"/>
           </a:p>
@@ -3603,6 +3604,136 @@
 </p:sld>
 </file>
 
+<file path=ppt/slides/slide12.xml><?xml version="1.0" encoding="utf-8"?>
+<p:sld xmlns:a="http://schemas.openxmlformats.org/drawingml/2006/main" xmlns:r="http://schemas.openxmlformats.org/officeDocument/2006/relationships" xmlns:p="http://schemas.openxmlformats.org/presentationml/2006/main">
+  <p:cSld>
+    <p:spTree>
+      <p:nvGrpSpPr>
+        <p:cNvPr id="1" name=""/>
+        <p:cNvGrpSpPr/>
+        <p:nvPr/>
+      </p:nvGrpSpPr>
+      <p:grpSpPr>
+        <a:xfrm>
+          <a:off x="0" y="0"/>
+          <a:ext cx="0" cy="0"/>
+          <a:chOff x="0" y="0"/>
+          <a:chExt cx="0" cy="0"/>
+        </a:xfrm>
+      </p:grpSpPr>
+      <p:sp>
+        <p:nvSpPr>
+          <p:cNvPr id="2" name="Title 1">
+            <a:extLst>
+              <a:ext uri="{FF2B5EF4-FFF2-40B4-BE49-F238E27FC236}">
+                <a16:creationId xmlns:a16="http://schemas.microsoft.com/office/drawing/2014/main" id="{DA2179D8-9266-43E5-AF08-F94C604186F0}"/>
+              </a:ext>
+            </a:extLst>
+          </p:cNvPr>
+          <p:cNvSpPr>
+            <a:spLocks noGrp="1"/>
+          </p:cNvSpPr>
+          <p:nvPr>
+            <p:ph type="title"/>
+          </p:nvPr>
+        </p:nvSpPr>
+        <p:spPr/>
+        <p:txBody>
+          <a:bodyPr/>
+          <a:lstStyle/>
+          <a:p>
+            <a:r>
+              <a:rPr lang="en-US" dirty="0"/>
+              <a:t>Lab 2 criterion </a:t>
+            </a:r>
+          </a:p>
+        </p:txBody>
+      </p:sp>
+      <p:sp>
+        <p:nvSpPr>
+          <p:cNvPr id="3" name="Content Placeholder 2">
+            <a:extLst>
+              <a:ext uri="{FF2B5EF4-FFF2-40B4-BE49-F238E27FC236}">
+                <a16:creationId xmlns:a16="http://schemas.microsoft.com/office/drawing/2014/main" id="{BA3DB771-3CD8-4482-8058-4D8A3EDE0545}"/>
+              </a:ext>
+            </a:extLst>
+          </p:cNvPr>
+          <p:cNvSpPr>
+            <a:spLocks noGrp="1"/>
+          </p:cNvSpPr>
+          <p:nvPr>
+            <p:ph idx="1"/>
+          </p:nvPr>
+        </p:nvSpPr>
+        <p:spPr/>
+        <p:txBody>
+          <a:bodyPr/>
+          <a:lstStyle/>
+          <a:p>
+            <a:r>
+              <a:rPr lang="en-US" dirty="0"/>
+              <a:t>Cover page with objective(3’)</a:t>
+            </a:r>
+          </a:p>
+          <a:p>
+            <a:r>
+              <a:rPr lang="en-US" dirty="0"/>
+              <a:t>Introduction: 7’</a:t>
+            </a:r>
+          </a:p>
+          <a:p>
+            <a:r>
+              <a:rPr lang="en-US" dirty="0"/>
+              <a:t>Procedures: equipment(2’); block diagram(3’); procedure(5’)</a:t>
+            </a:r>
+          </a:p>
+          <a:p>
+            <a:r>
+              <a:rPr lang="en-US" dirty="0"/>
+              <a:t>Results and analysis</a:t>
+            </a:r>
+            <a:r>
+              <a:rPr lang="en-US"/>
+              <a:t>: Calculation/</a:t>
+            </a:r>
+            <a:r>
+              <a:rPr lang="en-US" dirty="0"/>
+              <a:t>answers to questions (2’) with necessary description (2’) for each parts</a:t>
+            </a:r>
+          </a:p>
+          <a:p>
+            <a:r>
+              <a:rPr lang="en-US" dirty="0"/>
+              <a:t>Discussion: explanation(3’), uncertainties(4’), others(3’)</a:t>
+            </a:r>
+          </a:p>
+          <a:p>
+            <a:r>
+              <a:rPr lang="en-US" dirty="0"/>
+              <a:t>Conclusions: restatement of the objective(1’), brief summary (3 levels for 4’, 2’, 0’ each: clear and completed; not so; not at all)</a:t>
+            </a:r>
+          </a:p>
+          <a:p>
+            <a:r>
+              <a:rPr lang="en-US" dirty="0"/>
+              <a:t>Questions: 5’</a:t>
+            </a:r>
+          </a:p>
+        </p:txBody>
+      </p:sp>
+    </p:spTree>
+    <p:extLst>
+      <p:ext uri="{BB962C8B-B14F-4D97-AF65-F5344CB8AC3E}">
+        <p14:creationId xmlns:p14="http://schemas.microsoft.com/office/powerpoint/2010/main" val="2165396107"/>
+      </p:ext>
+    </p:extLst>
+  </p:cSld>
+  <p:clrMapOvr>
+    <a:masterClrMapping/>
+  </p:clrMapOvr>
+</p:sld>
+</file>
+
 <file path=ppt/slides/slide2.xml><?xml version="1.0" encoding="utf-8"?>
 <p:sld xmlns:a="http://schemas.openxmlformats.org/drawingml/2006/main" xmlns:r="http://schemas.openxmlformats.org/officeDocument/2006/relationships" xmlns:p="http://schemas.openxmlformats.org/presentationml/2006/main">
   <p:cSld>

--- a/Computational-books&papers/private/TA.pptx
+++ b/Computational-books&papers/private/TA.pptx
@@ -17,6 +17,8 @@
     <p:sldId id="262" r:id="rId11"/>
     <p:sldId id="266" r:id="rId12"/>
     <p:sldId id="267" r:id="rId13"/>
+    <p:sldId id="268" r:id="rId14"/>
+    <p:sldId id="269" r:id="rId15"/>
   </p:sldIdLst>
   <p:sldSz cx="12192000" cy="6858000"/>
   <p:notesSz cx="6858000" cy="9144000"/>
@@ -270,7 +272,7 @@
           <a:p>
             <a:fld id="{2020F94C-B597-4892-9917-ECEBF088F387}" type="datetimeFigureOut">
               <a:rPr lang="en-US" smtClean="0"/>
-              <a:t>2/27/2020</a:t>
+              <a:t>3/3/2020</a:t>
             </a:fld>
             <a:endParaRPr lang="en-US"/>
           </a:p>
@@ -468,7 +470,7 @@
           <a:p>
             <a:fld id="{2020F94C-B597-4892-9917-ECEBF088F387}" type="datetimeFigureOut">
               <a:rPr lang="en-US" smtClean="0"/>
-              <a:t>2/27/2020</a:t>
+              <a:t>3/3/2020</a:t>
             </a:fld>
             <a:endParaRPr lang="en-US"/>
           </a:p>
@@ -676,7 +678,7 @@
           <a:p>
             <a:fld id="{2020F94C-B597-4892-9917-ECEBF088F387}" type="datetimeFigureOut">
               <a:rPr lang="en-US" smtClean="0"/>
-              <a:t>2/27/2020</a:t>
+              <a:t>3/3/2020</a:t>
             </a:fld>
             <a:endParaRPr lang="en-US"/>
           </a:p>
@@ -874,7 +876,7 @@
           <a:p>
             <a:fld id="{2020F94C-B597-4892-9917-ECEBF088F387}" type="datetimeFigureOut">
               <a:rPr lang="en-US" smtClean="0"/>
-              <a:t>2/27/2020</a:t>
+              <a:t>3/3/2020</a:t>
             </a:fld>
             <a:endParaRPr lang="en-US"/>
           </a:p>
@@ -1149,7 +1151,7 @@
           <a:p>
             <a:fld id="{2020F94C-B597-4892-9917-ECEBF088F387}" type="datetimeFigureOut">
               <a:rPr lang="en-US" smtClean="0"/>
-              <a:t>2/27/2020</a:t>
+              <a:t>3/3/2020</a:t>
             </a:fld>
             <a:endParaRPr lang="en-US"/>
           </a:p>
@@ -1414,7 +1416,7 @@
           <a:p>
             <a:fld id="{2020F94C-B597-4892-9917-ECEBF088F387}" type="datetimeFigureOut">
               <a:rPr lang="en-US" smtClean="0"/>
-              <a:t>2/27/2020</a:t>
+              <a:t>3/3/2020</a:t>
             </a:fld>
             <a:endParaRPr lang="en-US"/>
           </a:p>
@@ -1826,7 +1828,7 @@
           <a:p>
             <a:fld id="{2020F94C-B597-4892-9917-ECEBF088F387}" type="datetimeFigureOut">
               <a:rPr lang="en-US" smtClean="0"/>
-              <a:t>2/27/2020</a:t>
+              <a:t>3/3/2020</a:t>
             </a:fld>
             <a:endParaRPr lang="en-US"/>
           </a:p>
@@ -1967,7 +1969,7 @@
           <a:p>
             <a:fld id="{2020F94C-B597-4892-9917-ECEBF088F387}" type="datetimeFigureOut">
               <a:rPr lang="en-US" smtClean="0"/>
-              <a:t>2/27/2020</a:t>
+              <a:t>3/3/2020</a:t>
             </a:fld>
             <a:endParaRPr lang="en-US"/>
           </a:p>
@@ -2080,7 +2082,7 @@
           <a:p>
             <a:fld id="{2020F94C-B597-4892-9917-ECEBF088F387}" type="datetimeFigureOut">
               <a:rPr lang="en-US" smtClean="0"/>
-              <a:t>2/27/2020</a:t>
+              <a:t>3/3/2020</a:t>
             </a:fld>
             <a:endParaRPr lang="en-US"/>
           </a:p>
@@ -2391,7 +2393,7 @@
           <a:p>
             <a:fld id="{2020F94C-B597-4892-9917-ECEBF088F387}" type="datetimeFigureOut">
               <a:rPr lang="en-US" smtClean="0"/>
-              <a:t>2/27/2020</a:t>
+              <a:t>3/3/2020</a:t>
             </a:fld>
             <a:endParaRPr lang="en-US"/>
           </a:p>
@@ -2679,7 +2681,7 @@
           <a:p>
             <a:fld id="{2020F94C-B597-4892-9917-ECEBF088F387}" type="datetimeFigureOut">
               <a:rPr lang="en-US" smtClean="0"/>
-              <a:t>2/27/2020</a:t>
+              <a:t>3/3/2020</a:t>
             </a:fld>
             <a:endParaRPr lang="en-US"/>
           </a:p>
@@ -2920,7 +2922,7 @@
           <a:p>
             <a:fld id="{2020F94C-B597-4892-9917-ECEBF088F387}" type="datetimeFigureOut">
               <a:rPr lang="en-US" smtClean="0"/>
-              <a:t>2/27/2020</a:t>
+              <a:t>3/3/2020</a:t>
             </a:fld>
             <a:endParaRPr lang="en-US"/>
           </a:p>
@@ -3734,6 +3736,258 @@
 </p:sld>
 </file>
 
+<file path=ppt/slides/slide13.xml><?xml version="1.0" encoding="utf-8"?>
+<p:sld xmlns:a="http://schemas.openxmlformats.org/drawingml/2006/main" xmlns:r="http://schemas.openxmlformats.org/officeDocument/2006/relationships" xmlns:p="http://schemas.openxmlformats.org/presentationml/2006/main">
+  <p:cSld>
+    <p:spTree>
+      <p:nvGrpSpPr>
+        <p:cNvPr id="1" name=""/>
+        <p:cNvGrpSpPr/>
+        <p:nvPr/>
+      </p:nvGrpSpPr>
+      <p:grpSpPr>
+        <a:xfrm>
+          <a:off x="0" y="0"/>
+          <a:ext cx="0" cy="0"/>
+          <a:chOff x="0" y="0"/>
+          <a:chExt cx="0" cy="0"/>
+        </a:xfrm>
+      </p:grpSpPr>
+      <p:sp>
+        <p:nvSpPr>
+          <p:cNvPr id="2" name="Title 1">
+            <a:extLst>
+              <a:ext uri="{FF2B5EF4-FFF2-40B4-BE49-F238E27FC236}">
+                <a16:creationId xmlns:a16="http://schemas.microsoft.com/office/drawing/2014/main" id="{C0000AF2-C092-4891-9E15-8FDBB9ADE693}"/>
+              </a:ext>
+            </a:extLst>
+          </p:cNvPr>
+          <p:cNvSpPr>
+            <a:spLocks noGrp="1"/>
+          </p:cNvSpPr>
+          <p:nvPr>
+            <p:ph type="title"/>
+          </p:nvPr>
+        </p:nvSpPr>
+        <p:spPr/>
+        <p:txBody>
+          <a:bodyPr/>
+          <a:lstStyle/>
+          <a:p>
+            <a:r>
+              <a:rPr lang="en-US" dirty="0"/>
+              <a:t>Lab 2 reports</a:t>
+            </a:r>
+          </a:p>
+        </p:txBody>
+      </p:sp>
+      <p:sp>
+        <p:nvSpPr>
+          <p:cNvPr id="3" name="Content Placeholder 2">
+            <a:extLst>
+              <a:ext uri="{FF2B5EF4-FFF2-40B4-BE49-F238E27FC236}">
+                <a16:creationId xmlns:a16="http://schemas.microsoft.com/office/drawing/2014/main" id="{AFC69DF2-A6C4-48A9-819B-F3E1AB028473}"/>
+              </a:ext>
+            </a:extLst>
+          </p:cNvPr>
+          <p:cNvSpPr>
+            <a:spLocks noGrp="1"/>
+          </p:cNvSpPr>
+          <p:nvPr>
+            <p:ph idx="1"/>
+          </p:nvPr>
+        </p:nvSpPr>
+        <p:spPr/>
+        <p:txBody>
+          <a:bodyPr/>
+          <a:lstStyle/>
+          <a:p>
+            <a:r>
+              <a:rPr lang="en-US" dirty="0"/>
+              <a:t>Necessary description for each plot</a:t>
+            </a:r>
+          </a:p>
+          <a:p>
+            <a:r>
+              <a:rPr lang="en-US" dirty="0"/>
+              <a:t>Calculate error % when comparing experimental results with theoretical results</a:t>
+            </a:r>
+          </a:p>
+          <a:p>
+            <a:r>
+              <a:rPr lang="en-US" dirty="0"/>
+              <a:t>Exponential change means f(x) = </a:t>
+            </a:r>
+            <a:r>
+              <a:rPr lang="en-US" dirty="0" err="1"/>
+              <a:t>e^x</a:t>
+            </a:r>
+            <a:r>
+              <a:rPr lang="en-US" dirty="0"/>
+              <a:t>, I (current) is inversely proportional to R (resistance)</a:t>
+            </a:r>
+          </a:p>
+          <a:p>
+            <a:r>
+              <a:rPr lang="en-US" dirty="0"/>
+              <a:t>Light bulb: bulb is significantly bright when the behavior of the plot is deviate markedly from linearity</a:t>
+            </a:r>
+          </a:p>
+          <a:p>
+            <a:r>
+              <a:rPr lang="en-US" dirty="0"/>
+              <a:t>All devices all obey ohm’s law but some of them do not have constant resistance</a:t>
+            </a:r>
+          </a:p>
+        </p:txBody>
+      </p:sp>
+    </p:spTree>
+    <p:extLst>
+      <p:ext uri="{BB962C8B-B14F-4D97-AF65-F5344CB8AC3E}">
+        <p14:creationId xmlns:p14="http://schemas.microsoft.com/office/powerpoint/2010/main" val="1632889357"/>
+      </p:ext>
+    </p:extLst>
+  </p:cSld>
+  <p:clrMapOvr>
+    <a:masterClrMapping/>
+  </p:clrMapOvr>
+</p:sld>
+</file>
+
+<file path=ppt/slides/slide14.xml><?xml version="1.0" encoding="utf-8"?>
+<p:sld xmlns:a="http://schemas.openxmlformats.org/drawingml/2006/main" xmlns:r="http://schemas.openxmlformats.org/officeDocument/2006/relationships" xmlns:p="http://schemas.openxmlformats.org/presentationml/2006/main">
+  <p:cSld>
+    <p:spTree>
+      <p:nvGrpSpPr>
+        <p:cNvPr id="1" name=""/>
+        <p:cNvGrpSpPr/>
+        <p:nvPr/>
+      </p:nvGrpSpPr>
+      <p:grpSpPr>
+        <a:xfrm>
+          <a:off x="0" y="0"/>
+          <a:ext cx="0" cy="0"/>
+          <a:chOff x="0" y="0"/>
+          <a:chExt cx="0" cy="0"/>
+        </a:xfrm>
+      </p:grpSpPr>
+      <p:sp>
+        <p:nvSpPr>
+          <p:cNvPr id="2" name="Title 1">
+            <a:extLst>
+              <a:ext uri="{FF2B5EF4-FFF2-40B4-BE49-F238E27FC236}">
+                <a16:creationId xmlns:a16="http://schemas.microsoft.com/office/drawing/2014/main" id="{F03D7E00-2AE9-4964-9F9C-71BC178C2AAB}"/>
+              </a:ext>
+            </a:extLst>
+          </p:cNvPr>
+          <p:cNvSpPr>
+            <a:spLocks noGrp="1"/>
+          </p:cNvSpPr>
+          <p:nvPr>
+            <p:ph type="title"/>
+          </p:nvPr>
+        </p:nvSpPr>
+        <p:spPr/>
+        <p:txBody>
+          <a:bodyPr/>
+          <a:lstStyle/>
+          <a:p>
+            <a:r>
+              <a:rPr lang="en-US" dirty="0"/>
+              <a:t>Lab3 Capacitors and RC decay</a:t>
+            </a:r>
+          </a:p>
+        </p:txBody>
+      </p:sp>
+      <p:sp>
+        <p:nvSpPr>
+          <p:cNvPr id="3" name="Content Placeholder 2">
+            <a:extLst>
+              <a:ext uri="{FF2B5EF4-FFF2-40B4-BE49-F238E27FC236}">
+                <a16:creationId xmlns:a16="http://schemas.microsoft.com/office/drawing/2014/main" id="{5CB0F0CA-17A6-4EA3-8AA5-7F1DF143F2E9}"/>
+              </a:ext>
+            </a:extLst>
+          </p:cNvPr>
+          <p:cNvSpPr>
+            <a:spLocks noGrp="1"/>
+          </p:cNvSpPr>
+          <p:nvPr>
+            <p:ph idx="1"/>
+          </p:nvPr>
+        </p:nvSpPr>
+        <p:spPr/>
+        <p:txBody>
+          <a:bodyPr/>
+          <a:lstStyle/>
+          <a:p>
+            <a:r>
+              <a:rPr lang="en-US" dirty="0"/>
+              <a:t>Capacitor ( tire pressure 30 psi)</a:t>
+            </a:r>
+          </a:p>
+          <a:p>
+            <a:r>
+              <a:rPr lang="en-US" dirty="0"/>
+              <a:t>Parallel and series capacitors ( calculate equivalent capacitance)</a:t>
+            </a:r>
+          </a:p>
+          <a:p>
+            <a:r>
+              <a:rPr lang="en-US" dirty="0"/>
+              <a:t>RC circuit: charging and discharging. The voltage across the capacitor is calculated from Kirchhoff Circuit Laws (KCL). It’s an ordinary differential equation.</a:t>
+            </a:r>
+          </a:p>
+          <a:p>
+            <a:r>
+              <a:rPr lang="en-US" dirty="0"/>
+              <a:t>Time constant (t1=RC) and t</a:t>
+            </a:r>
+            <a:r>
+              <a:rPr lang="en-US" sz="1200" dirty="0"/>
+              <a:t>1/2</a:t>
+            </a:r>
+            <a:r>
+              <a:rPr lang="en-US" dirty="0"/>
+              <a:t>. </a:t>
+            </a:r>
+            <a:r>
+              <a:rPr lang="en-US"/>
+              <a:t>t1 </a:t>
+            </a:r>
+            <a:r>
+              <a:rPr lang="en-US" dirty="0"/>
+              <a:t>is the time necessary for the voltage across the capacitor to decay to 1/e ( or half for t</a:t>
+            </a:r>
+            <a:r>
+              <a:rPr lang="en-US" sz="1200" dirty="0"/>
+              <a:t>1/2</a:t>
+            </a:r>
+            <a:r>
+              <a:rPr lang="en-US" dirty="0"/>
+              <a:t>) of the original value. </a:t>
+            </a:r>
+          </a:p>
+          <a:p>
+            <a:endParaRPr lang="en-US" dirty="0"/>
+          </a:p>
+          <a:p>
+            <a:endParaRPr lang="en-US" dirty="0"/>
+          </a:p>
+        </p:txBody>
+      </p:sp>
+    </p:spTree>
+    <p:extLst>
+      <p:ext uri="{BB962C8B-B14F-4D97-AF65-F5344CB8AC3E}">
+        <p14:creationId xmlns:p14="http://schemas.microsoft.com/office/powerpoint/2010/main" val="521371619"/>
+      </p:ext>
+    </p:extLst>
+  </p:cSld>
+  <p:clrMapOvr>
+    <a:masterClrMapping/>
+  </p:clrMapOvr>
+</p:sld>
+</file>
+
 <file path=ppt/slides/slide2.xml><?xml version="1.0" encoding="utf-8"?>
 <p:sld xmlns:a="http://schemas.openxmlformats.org/drawingml/2006/main" xmlns:r="http://schemas.openxmlformats.org/officeDocument/2006/relationships" xmlns:p="http://schemas.openxmlformats.org/presentationml/2006/main">
   <p:cSld>

--- a/Computational-books&papers/private/TA.pptx
+++ b/Computational-books&papers/private/TA.pptx
@@ -19,6 +19,7 @@
     <p:sldId id="267" r:id="rId13"/>
     <p:sldId id="268" r:id="rId14"/>
     <p:sldId id="269" r:id="rId15"/>
+    <p:sldId id="270" r:id="rId16"/>
   </p:sldIdLst>
   <p:sldSz cx="12192000" cy="6858000"/>
   <p:notesSz cx="6858000" cy="9144000"/>
@@ -3988,6 +3989,86 @@
 </p:sld>
 </file>
 
+<file path=ppt/slides/slide15.xml><?xml version="1.0" encoding="utf-8"?>
+<p:sld xmlns:a="http://schemas.openxmlformats.org/drawingml/2006/main" xmlns:r="http://schemas.openxmlformats.org/officeDocument/2006/relationships" xmlns:p="http://schemas.openxmlformats.org/presentationml/2006/main">
+  <p:cSld>
+    <p:spTree>
+      <p:nvGrpSpPr>
+        <p:cNvPr id="1" name=""/>
+        <p:cNvGrpSpPr/>
+        <p:nvPr/>
+      </p:nvGrpSpPr>
+      <p:grpSpPr>
+        <a:xfrm>
+          <a:off x="0" y="0"/>
+          <a:ext cx="0" cy="0"/>
+          <a:chOff x="0" y="0"/>
+          <a:chExt cx="0" cy="0"/>
+        </a:xfrm>
+      </p:grpSpPr>
+      <p:sp>
+        <p:nvSpPr>
+          <p:cNvPr id="2" name="Title 1">
+            <a:extLst>
+              <a:ext uri="{FF2B5EF4-FFF2-40B4-BE49-F238E27FC236}">
+                <a16:creationId xmlns:a16="http://schemas.microsoft.com/office/drawing/2014/main" id="{EEB70976-23A0-4C44-8CDC-CFC8EF901D8C}"/>
+              </a:ext>
+            </a:extLst>
+          </p:cNvPr>
+          <p:cNvSpPr>
+            <a:spLocks noGrp="1"/>
+          </p:cNvSpPr>
+          <p:nvPr>
+            <p:ph type="title"/>
+          </p:nvPr>
+        </p:nvSpPr>
+        <p:spPr/>
+        <p:txBody>
+          <a:bodyPr/>
+          <a:lstStyle/>
+          <a:p>
+            <a:endParaRPr lang="en-US"/>
+          </a:p>
+        </p:txBody>
+      </p:sp>
+      <p:sp>
+        <p:nvSpPr>
+          <p:cNvPr id="3" name="Content Placeholder 2">
+            <a:extLst>
+              <a:ext uri="{FF2B5EF4-FFF2-40B4-BE49-F238E27FC236}">
+                <a16:creationId xmlns:a16="http://schemas.microsoft.com/office/drawing/2014/main" id="{74CDC324-D600-4963-8658-C49A2F18CC89}"/>
+              </a:ext>
+            </a:extLst>
+          </p:cNvPr>
+          <p:cNvSpPr>
+            <a:spLocks noGrp="1"/>
+          </p:cNvSpPr>
+          <p:nvPr>
+            <p:ph idx="1"/>
+          </p:nvPr>
+        </p:nvSpPr>
+        <p:spPr/>
+        <p:txBody>
+          <a:bodyPr/>
+          <a:lstStyle/>
+          <a:p>
+            <a:endParaRPr lang="en-US"/>
+          </a:p>
+        </p:txBody>
+      </p:sp>
+    </p:spTree>
+    <p:extLst>
+      <p:ext uri="{BB962C8B-B14F-4D97-AF65-F5344CB8AC3E}">
+        <p14:creationId xmlns:p14="http://schemas.microsoft.com/office/powerpoint/2010/main" val="3863509120"/>
+      </p:ext>
+    </p:extLst>
+  </p:cSld>
+  <p:clrMapOvr>
+    <a:masterClrMapping/>
+  </p:clrMapOvr>
+</p:sld>
+</file>
+
 <file path=ppt/slides/slide2.xml><?xml version="1.0" encoding="utf-8"?>
 <p:sld xmlns:a="http://schemas.openxmlformats.org/drawingml/2006/main" xmlns:r="http://schemas.openxmlformats.org/officeDocument/2006/relationships" xmlns:p="http://schemas.openxmlformats.org/presentationml/2006/main">
   <p:cSld>
